--- a/YG엔터주분석/멘토님미팅발표자료/관련논문조사_4주차.pptx
+++ b/YG엔터주분석/멘토님미팅발표자료/관련논문조사_4주차.pptx
@@ -1262,7 +1262,7 @@
           <a:p>
             <a:fld id="{6FB8450B-0ABE-4B77-93F7-4B54746D89C5}" type="datetimeFigureOut">
               <a:rPr lang="ko-KR" altLang="en-US" smtClean="0"/>
-              <a:t>2020-09-06</a:t>
+              <a:t>2020-09-08</a:t>
             </a:fld>
             <a:endParaRPr lang="ko-KR" altLang="en-US"/>
           </a:p>
@@ -4464,7 +4464,7 @@
           <a:p>
             <a:fld id="{4C83880E-C5F1-4EEE-908A-561465042B71}" type="datetimeFigureOut">
               <a:rPr lang="ko-KR" altLang="en-US" smtClean="0"/>
-              <a:t>2020-09-06</a:t>
+              <a:t>2020-09-08</a:t>
             </a:fld>
             <a:endParaRPr lang="ko-KR" altLang="en-US"/>
           </a:p>
@@ -4662,7 +4662,7 @@
           <a:p>
             <a:fld id="{4C83880E-C5F1-4EEE-908A-561465042B71}" type="datetimeFigureOut">
               <a:rPr lang="ko-KR" altLang="en-US" smtClean="0"/>
-              <a:t>2020-09-06</a:t>
+              <a:t>2020-09-08</a:t>
             </a:fld>
             <a:endParaRPr lang="ko-KR" altLang="en-US"/>
           </a:p>
@@ -4870,7 +4870,7 @@
           <a:p>
             <a:fld id="{4C83880E-C5F1-4EEE-908A-561465042B71}" type="datetimeFigureOut">
               <a:rPr lang="ko-KR" altLang="en-US" smtClean="0"/>
-              <a:t>2020-09-06</a:t>
+              <a:t>2020-09-08</a:t>
             </a:fld>
             <a:endParaRPr lang="ko-KR" altLang="en-US"/>
           </a:p>
@@ -5068,7 +5068,7 @@
           <a:p>
             <a:fld id="{4C83880E-C5F1-4EEE-908A-561465042B71}" type="datetimeFigureOut">
               <a:rPr lang="ko-KR" altLang="en-US" smtClean="0"/>
-              <a:t>2020-09-06</a:t>
+              <a:t>2020-09-08</a:t>
             </a:fld>
             <a:endParaRPr lang="ko-KR" altLang="en-US"/>
           </a:p>
@@ -5343,7 +5343,7 @@
           <a:p>
             <a:fld id="{4C83880E-C5F1-4EEE-908A-561465042B71}" type="datetimeFigureOut">
               <a:rPr lang="ko-KR" altLang="en-US" smtClean="0"/>
-              <a:t>2020-09-06</a:t>
+              <a:t>2020-09-08</a:t>
             </a:fld>
             <a:endParaRPr lang="ko-KR" altLang="en-US"/>
           </a:p>
@@ -5608,7 +5608,7 @@
           <a:p>
             <a:fld id="{4C83880E-C5F1-4EEE-908A-561465042B71}" type="datetimeFigureOut">
               <a:rPr lang="ko-KR" altLang="en-US" smtClean="0"/>
-              <a:t>2020-09-06</a:t>
+              <a:t>2020-09-08</a:t>
             </a:fld>
             <a:endParaRPr lang="ko-KR" altLang="en-US"/>
           </a:p>
@@ -6020,7 +6020,7 @@
           <a:p>
             <a:fld id="{4C83880E-C5F1-4EEE-908A-561465042B71}" type="datetimeFigureOut">
               <a:rPr lang="ko-KR" altLang="en-US" smtClean="0"/>
-              <a:t>2020-09-06</a:t>
+              <a:t>2020-09-08</a:t>
             </a:fld>
             <a:endParaRPr lang="ko-KR" altLang="en-US"/>
           </a:p>
@@ -6161,7 +6161,7 @@
           <a:p>
             <a:fld id="{4C83880E-C5F1-4EEE-908A-561465042B71}" type="datetimeFigureOut">
               <a:rPr lang="ko-KR" altLang="en-US" smtClean="0"/>
-              <a:t>2020-09-06</a:t>
+              <a:t>2020-09-08</a:t>
             </a:fld>
             <a:endParaRPr lang="ko-KR" altLang="en-US"/>
           </a:p>
@@ -6274,7 +6274,7 @@
           <a:p>
             <a:fld id="{4C83880E-C5F1-4EEE-908A-561465042B71}" type="datetimeFigureOut">
               <a:rPr lang="ko-KR" altLang="en-US" smtClean="0"/>
-              <a:t>2020-09-06</a:t>
+              <a:t>2020-09-08</a:t>
             </a:fld>
             <a:endParaRPr lang="ko-KR" altLang="en-US"/>
           </a:p>
@@ -6585,7 +6585,7 @@
           <a:p>
             <a:fld id="{4C83880E-C5F1-4EEE-908A-561465042B71}" type="datetimeFigureOut">
               <a:rPr lang="ko-KR" altLang="en-US" smtClean="0"/>
-              <a:t>2020-09-06</a:t>
+              <a:t>2020-09-08</a:t>
             </a:fld>
             <a:endParaRPr lang="ko-KR" altLang="en-US"/>
           </a:p>
@@ -6873,7 +6873,7 @@
           <a:p>
             <a:fld id="{4C83880E-C5F1-4EEE-908A-561465042B71}" type="datetimeFigureOut">
               <a:rPr lang="ko-KR" altLang="en-US" smtClean="0"/>
-              <a:t>2020-09-06</a:t>
+              <a:t>2020-09-08</a:t>
             </a:fld>
             <a:endParaRPr lang="ko-KR" altLang="en-US"/>
           </a:p>
@@ -7114,7 +7114,7 @@
           <a:p>
             <a:fld id="{4C83880E-C5F1-4EEE-908A-561465042B71}" type="datetimeFigureOut">
               <a:rPr lang="ko-KR" altLang="en-US" smtClean="0"/>
-              <a:t>2020-09-06</a:t>
+              <a:t>2020-09-08</a:t>
             </a:fld>
             <a:endParaRPr lang="ko-KR" altLang="en-US"/>
           </a:p>
